--- a/初心者的入門日語學習-00657027+00657135.pptx
+++ b/初心者的入門日語學習-00657027+00657135.pptx
@@ -5,7 +5,7 @@
     <p:sldMasterId id="2147483960" r:id="rId1"/>
   </p:sldMasterIdLst>
   <p:handoutMasterIdLst>
-    <p:handoutMasterId r:id="rId10"/>
+    <p:handoutMasterId r:id="rId11"/>
   </p:handoutMasterIdLst>
   <p:sldIdLst>
     <p:sldId id="256" r:id="rId2"/>
@@ -13,9 +13,10 @@
     <p:sldId id="262" r:id="rId4"/>
     <p:sldId id="260" r:id="rId5"/>
     <p:sldId id="261" r:id="rId6"/>
-    <p:sldId id="265" r:id="rId7"/>
-    <p:sldId id="267" r:id="rId8"/>
-    <p:sldId id="263" r:id="rId9"/>
+    <p:sldId id="268" r:id="rId7"/>
+    <p:sldId id="265" r:id="rId8"/>
+    <p:sldId id="267" r:id="rId9"/>
+    <p:sldId id="263" r:id="rId10"/>
   </p:sldIdLst>
   <p:sldSz cx="12192000" cy="6858000"/>
   <p:notesSz cx="6858000" cy="9144000"/>
@@ -3293,7 +3294,7 @@
           <a:p>
             <a:fld id="{5B9FEBE0-90D5-AD4F-82FA-6AA7F4024977}" type="datetimeFigureOut">
               <a:rPr kumimoji="1" lang="zh-TW" altLang="en-US" smtClean="0"/>
-              <a:t>2021/1/11</a:t>
+              <a:t>2021/1/12</a:t>
             </a:fld>
             <a:endParaRPr kumimoji="1" lang="zh-TW" altLang="en-US"/>
           </a:p>
@@ -3719,7 +3720,7 @@
           <a:p>
             <a:fld id="{48A87A34-81AB-432B-8DAE-1953F412C126}" type="datetimeFigureOut">
               <a:rPr lang="en-US" smtClean="0"/>
-              <a:t>1/11/2021</a:t>
+              <a:t>1/12/2021</a:t>
             </a:fld>
             <a:endParaRPr lang="en-US" dirty="0"/>
           </a:p>
@@ -4044,7 +4045,7 @@
             <a:fld id="{48A87A34-81AB-432B-8DAE-1953F412C126}" type="datetimeFigureOut">
               <a:rPr lang="en-US" smtClean="0"/>
               <a:pPr/>
-              <a:t>1/11/2021</a:t>
+              <a:t>1/12/2021</a:t>
             </a:fld>
             <a:endParaRPr lang="en-US" dirty="0"/>
           </a:p>
@@ -4294,7 +4295,7 @@
             <a:fld id="{48A87A34-81AB-432B-8DAE-1953F412C126}" type="datetimeFigureOut">
               <a:rPr lang="en-US" smtClean="0"/>
               <a:pPr/>
-              <a:t>1/11/2021</a:t>
+              <a:t>1/12/2021</a:t>
             </a:fld>
             <a:endParaRPr lang="en-US" dirty="0"/>
           </a:p>
@@ -4635,7 +4636,7 @@
             <a:fld id="{48A87A34-81AB-432B-8DAE-1953F412C126}" type="datetimeFigureOut">
               <a:rPr lang="en-US" smtClean="0"/>
               <a:pPr/>
-              <a:t>1/11/2021</a:t>
+              <a:t>1/12/2021</a:t>
             </a:fld>
             <a:endParaRPr lang="en-US" dirty="0"/>
           </a:p>
@@ -4984,7 +4985,7 @@
             <a:fld id="{48A87A34-81AB-432B-8DAE-1953F412C126}" type="datetimeFigureOut">
               <a:rPr lang="en-US" smtClean="0"/>
               <a:pPr/>
-              <a:t>1/11/2021</a:t>
+              <a:t>1/12/2021</a:t>
             </a:fld>
             <a:endParaRPr lang="en-US" dirty="0"/>
           </a:p>
@@ -5360,7 +5361,7 @@
             <a:fld id="{48A87A34-81AB-432B-8DAE-1953F412C126}" type="datetimeFigureOut">
               <a:rPr lang="en-US" smtClean="0"/>
               <a:pPr/>
-              <a:t>1/11/2021</a:t>
+              <a:t>1/12/2021</a:t>
             </a:fld>
             <a:endParaRPr lang="en-US" dirty="0"/>
           </a:p>
@@ -5832,7 +5833,7 @@
             <a:fld id="{48A87A34-81AB-432B-8DAE-1953F412C126}" type="datetimeFigureOut">
               <a:rPr lang="en-US" smtClean="0"/>
               <a:pPr/>
-              <a:t>1/11/2021</a:t>
+              <a:t>1/12/2021</a:t>
             </a:fld>
             <a:endParaRPr lang="en-US" dirty="0"/>
           </a:p>
@@ -6038,7 +6039,7 @@
           <a:p>
             <a:fld id="{48A87A34-81AB-432B-8DAE-1953F412C126}" type="datetimeFigureOut">
               <a:rPr lang="en-US" smtClean="0"/>
-              <a:t>1/11/2021</a:t>
+              <a:t>1/12/2021</a:t>
             </a:fld>
             <a:endParaRPr lang="en-US" dirty="0"/>
           </a:p>
@@ -6249,7 +6250,7 @@
           <a:p>
             <a:fld id="{48A87A34-81AB-432B-8DAE-1953F412C126}" type="datetimeFigureOut">
               <a:rPr lang="en-US" smtClean="0"/>
-              <a:t>1/11/2021</a:t>
+              <a:t>1/12/2021</a:t>
             </a:fld>
             <a:endParaRPr lang="en-US" dirty="0"/>
           </a:p>
@@ -6481,7 +6482,7 @@
           <a:p>
             <a:fld id="{48A87A34-81AB-432B-8DAE-1953F412C126}" type="datetimeFigureOut">
               <a:rPr lang="en-US" smtClean="0"/>
-              <a:t>1/11/2021</a:t>
+              <a:t>1/12/2021</a:t>
             </a:fld>
             <a:endParaRPr lang="en-US" dirty="0"/>
           </a:p>
@@ -6729,7 +6730,7 @@
           <a:p>
             <a:fld id="{48A87A34-81AB-432B-8DAE-1953F412C126}" type="datetimeFigureOut">
               <a:rPr lang="en-US" smtClean="0"/>
-              <a:t>1/11/2021</a:t>
+              <a:t>1/12/2021</a:t>
             </a:fld>
             <a:endParaRPr lang="en-US" dirty="0"/>
           </a:p>
@@ -7027,7 +7028,7 @@
           <a:p>
             <a:fld id="{48A87A34-81AB-432B-8DAE-1953F412C126}" type="datetimeFigureOut">
               <a:rPr lang="en-US" smtClean="0"/>
-              <a:t>1/11/2021</a:t>
+              <a:t>1/12/2021</a:t>
             </a:fld>
             <a:endParaRPr lang="en-US" dirty="0"/>
           </a:p>
@@ -7421,7 +7422,7 @@
           <a:p>
             <a:fld id="{48A87A34-81AB-432B-8DAE-1953F412C126}" type="datetimeFigureOut">
               <a:rPr lang="en-US" smtClean="0"/>
-              <a:t>1/11/2021</a:t>
+              <a:t>1/12/2021</a:t>
             </a:fld>
             <a:endParaRPr lang="en-US" dirty="0"/>
           </a:p>
@@ -7570,7 +7571,7 @@
           <a:p>
             <a:fld id="{48A87A34-81AB-432B-8DAE-1953F412C126}" type="datetimeFigureOut">
               <a:rPr lang="en-US" smtClean="0"/>
-              <a:t>1/11/2021</a:t>
+              <a:t>1/12/2021</a:t>
             </a:fld>
             <a:endParaRPr lang="en-US" dirty="0"/>
           </a:p>
@@ -7696,7 +7697,7 @@
           <a:p>
             <a:fld id="{48A87A34-81AB-432B-8DAE-1953F412C126}" type="datetimeFigureOut">
               <a:rPr lang="en-US" smtClean="0"/>
-              <a:t>1/11/2021</a:t>
+              <a:t>1/12/2021</a:t>
             </a:fld>
             <a:endParaRPr lang="en-US" dirty="0"/>
           </a:p>
@@ -7951,7 +7952,7 @@
           <a:p>
             <a:fld id="{48A87A34-81AB-432B-8DAE-1953F412C126}" type="datetimeFigureOut">
               <a:rPr lang="en-US" smtClean="0"/>
-              <a:t>1/11/2021</a:t>
+              <a:t>1/12/2021</a:t>
             </a:fld>
             <a:endParaRPr lang="en-US" dirty="0"/>
           </a:p>
@@ -8283,7 +8284,7 @@
             <a:fld id="{48A87A34-81AB-432B-8DAE-1953F412C126}" type="datetimeFigureOut">
               <a:rPr lang="en-US" smtClean="0"/>
               <a:pPr/>
-              <a:t>1/11/2021</a:t>
+              <a:t>1/12/2021</a:t>
             </a:fld>
             <a:endParaRPr lang="en-US" dirty="0"/>
           </a:p>
@@ -8635,7 +8636,7 @@
             <a:fld id="{48A87A34-81AB-432B-8DAE-1953F412C126}" type="datetimeFigureOut">
               <a:rPr lang="en-US" smtClean="0"/>
               <a:pPr/>
-              <a:t>1/11/2021</a:t>
+              <a:t>1/12/2021</a:t>
             </a:fld>
             <a:endParaRPr lang="en-US" dirty="0"/>
           </a:p>
@@ -9843,6 +9844,96 @@
 <file path=ppt/slides/slide6.xml><?xml version="1.0" encoding="utf-8"?>
 <p:sld xmlns:a="http://schemas.openxmlformats.org/drawingml/2006/main" xmlns:r="http://schemas.openxmlformats.org/officeDocument/2006/relationships" xmlns:p="http://schemas.openxmlformats.org/presentationml/2006/main">
   <p:cSld>
+    <p:spTree>
+      <p:nvGrpSpPr>
+        <p:cNvPr id="1" name=""/>
+        <p:cNvGrpSpPr/>
+        <p:nvPr/>
+      </p:nvGrpSpPr>
+      <p:grpSpPr>
+        <a:xfrm>
+          <a:off x="0" y="0"/>
+          <a:ext cx="0" cy="0"/>
+          <a:chOff x="0" y="0"/>
+          <a:chExt cx="0" cy="0"/>
+        </a:xfrm>
+      </p:grpSpPr>
+      <p:sp>
+        <p:nvSpPr>
+          <p:cNvPr id="2" name="標題 1">
+            <a:extLst>
+              <a:ext uri="{FF2B5EF4-FFF2-40B4-BE49-F238E27FC236}">
+                <a16:creationId xmlns:a16="http://schemas.microsoft.com/office/drawing/2014/main" id="{6B40CA6C-C08A-4753-AA4D-4C44713D875F}"/>
+              </a:ext>
+            </a:extLst>
+          </p:cNvPr>
+          <p:cNvSpPr>
+            <a:spLocks noGrp="1"/>
+          </p:cNvSpPr>
+          <p:nvPr>
+            <p:ph type="title"/>
+          </p:nvPr>
+        </p:nvSpPr>
+        <p:spPr/>
+        <p:txBody>
+          <a:bodyPr/>
+          <a:lstStyle/>
+          <a:p>
+            <a:r>
+              <a:rPr lang="zh-TW" altLang="en-US"/>
+              <a:t>專案連結</a:t>
+            </a:r>
+            <a:endParaRPr lang="zh-TW" altLang="en-US" dirty="0"/>
+          </a:p>
+        </p:txBody>
+      </p:sp>
+      <p:sp>
+        <p:nvSpPr>
+          <p:cNvPr id="3" name="內容版面配置區 2">
+            <a:extLst>
+              <a:ext uri="{FF2B5EF4-FFF2-40B4-BE49-F238E27FC236}">
+                <a16:creationId xmlns:a16="http://schemas.microsoft.com/office/drawing/2014/main" id="{6BF88481-1DDF-485A-A542-48E912A9014C}"/>
+              </a:ext>
+            </a:extLst>
+          </p:cNvPr>
+          <p:cNvSpPr>
+            <a:spLocks noGrp="1"/>
+          </p:cNvSpPr>
+          <p:nvPr>
+            <p:ph idx="1"/>
+          </p:nvPr>
+        </p:nvSpPr>
+        <p:spPr/>
+        <p:txBody>
+          <a:bodyPr/>
+          <a:lstStyle/>
+          <a:p>
+            <a:r>
+              <a:rPr lang="en-US" altLang="zh-TW" dirty="0">
+                <a:hlinkClick r:id="rId2"/>
+              </a:rPr>
+              <a:t>https://mst9999.github.io/LearnJapanese/index.html</a:t>
+            </a:r>
+            <a:endParaRPr lang="zh-TW" altLang="en-US" dirty="0"/>
+          </a:p>
+        </p:txBody>
+      </p:sp>
+    </p:spTree>
+    <p:extLst>
+      <p:ext uri="{BB962C8B-B14F-4D97-AF65-F5344CB8AC3E}">
+        <p14:creationId xmlns:p14="http://schemas.microsoft.com/office/powerpoint/2010/main" val="3746094651"/>
+      </p:ext>
+    </p:extLst>
+  </p:cSld>
+  <p:clrMapOvr>
+    <a:masterClrMapping/>
+  </p:clrMapOvr>
+</p:sld>
+</file>
+
+<file path=ppt/slides/slide7.xml><?xml version="1.0" encoding="utf-8"?>
+<p:sld xmlns:a="http://schemas.openxmlformats.org/drawingml/2006/main" xmlns:r="http://schemas.openxmlformats.org/officeDocument/2006/relationships" xmlns:p="http://schemas.openxmlformats.org/presentationml/2006/main">
+  <p:cSld>
     <p:bg>
       <p:bgPr>
         <a:blipFill>
@@ -10406,7 +10497,7 @@
 </p:sld>
 </file>
 
-<file path=ppt/slides/slide7.xml><?xml version="1.0" encoding="utf-8"?>
+<file path=ppt/slides/slide8.xml><?xml version="1.0" encoding="utf-8"?>
 <p:sld xmlns:a="http://schemas.openxmlformats.org/drawingml/2006/main" xmlns:r="http://schemas.openxmlformats.org/officeDocument/2006/relationships" xmlns:p="http://schemas.openxmlformats.org/presentationml/2006/main">
   <p:cSld>
     <p:bg>
@@ -10842,7 +10933,7 @@
 </p:sld>
 </file>
 
-<file path=ppt/slides/slide8.xml><?xml version="1.0" encoding="utf-8"?>
+<file path=ppt/slides/slide9.xml><?xml version="1.0" encoding="utf-8"?>
 <p:sld xmlns:a="http://schemas.openxmlformats.org/drawingml/2006/main" xmlns:r="http://schemas.openxmlformats.org/officeDocument/2006/relationships" xmlns:p="http://schemas.openxmlformats.org/presentationml/2006/main">
   <p:cSld>
     <p:bg>
